--- a/final_presentation.pptx
+++ b/final_presentation.pptx
@@ -109,6 +109,11 @@
       </a:defRPr>
     </a:lvl9pPr>
   </p:defaultTextStyle>
+  <p:extLst>
+    <p:ext uri="{EFAFB233-063F-42B5-8137-9DF3F51BA10A}">
+      <p15:sldGuideLst xmlns:p15="http://schemas.microsoft.com/office/powerpoint/2012/main"/>
+    </p:ext>
+  </p:extLst>
 </p:presentation>
 </file>
 
@@ -6163,15 +6168,7 @@
             </a:br>
             <a:r>
               <a:rPr lang="en-GB" b="1" dirty="0" smtClean="0"/>
-              <a:t>XRP Ledger </a:t>
-            </a:r>
-            <a:r>
-              <a:rPr lang="en-GB" b="1" dirty="0" smtClean="0"/>
-              <a:t>EVM Compatible</a:t>
-            </a:r>
-            <a:r>
-              <a:rPr lang="en-GB" b="1" dirty="0" smtClean="0"/>
-              <a:t> Sidechain Evaluation</a:t>
+              <a:t>XRP Ledger EVM Compatible Sidechain Evaluation</a:t>
             </a:r>
             <a:endParaRPr lang="en-GB" dirty="0"/>
           </a:p>
@@ -6206,11 +6203,15 @@
             </a:r>
             <a:r>
               <a:rPr lang="en-GB" dirty="0" err="1" smtClean="0"/>
-              <a:t>Bootmap</a:t>
+              <a:t>Bootcamp</a:t>
             </a:r>
             <a:r>
               <a:rPr lang="en-GB" dirty="0" smtClean="0"/>
-              <a:t> – Final Project</a:t>
+              <a:t> </a:t>
+            </a:r>
+            <a:r>
+              <a:rPr lang="en-GB" dirty="0" smtClean="0"/>
+              <a:t>– Final Project</a:t>
             </a:r>
           </a:p>
           <a:p>
@@ -6231,6 +6232,13 @@
   <p:clrMapOvr>
     <a:masterClrMapping/>
   </p:clrMapOvr>
+  <p:timing>
+    <p:tnLst>
+      <p:par>
+        <p:cTn id="1" dur="indefinite" restart="never" nodeType="tmRoot"/>
+      </p:par>
+    </p:tnLst>
+  </p:timing>
 </p:sld>
 </file>
 
@@ -6296,7 +6304,15 @@
           <a:p>
             <a:r>
               <a:rPr lang="en-GB" dirty="0" smtClean="0"/>
-              <a:t>Sole purpose of project is to utilise knowledge acquired from Alchemy University to do a quick evaluation of XRP Ledger EVM compatible side chain</a:t>
+              <a:t>Sole purpose of </a:t>
+            </a:r>
+            <a:r>
+              <a:rPr lang="en-GB" dirty="0" smtClean="0"/>
+              <a:t>the project </a:t>
+            </a:r>
+            <a:r>
+              <a:rPr lang="en-GB" dirty="0" smtClean="0"/>
+              <a:t>is to utilise knowledge acquired from Alchemy University to do a quick evaluation of XRP Ledger EVM compatible side chain</a:t>
             </a:r>
           </a:p>
           <a:p>
@@ -6358,6 +6374,13 @@
   <p:clrMapOvr>
     <a:masterClrMapping/>
   </p:clrMapOvr>
+  <p:timing>
+    <p:tnLst>
+      <p:par>
+        <p:cTn id="1" dur="indefinite" restart="never" nodeType="tmRoot"/>
+      </p:par>
+    </p:tnLst>
+  </p:timing>
 </p:sld>
 </file>
 

--- a/final_presentation.pptx
+++ b/final_presentation.pptx
@@ -6207,11 +6207,7 @@
             </a:r>
             <a:r>
               <a:rPr lang="en-GB" dirty="0" smtClean="0"/>
-              <a:t> </a:t>
-            </a:r>
-            <a:r>
-              <a:rPr lang="en-GB" dirty="0" smtClean="0"/>
-              <a:t>– Final Project</a:t>
+              <a:t> – Final Project</a:t>
             </a:r>
           </a:p>
           <a:p>
@@ -6304,15 +6300,7 @@
           <a:p>
             <a:r>
               <a:rPr lang="en-GB" dirty="0" smtClean="0"/>
-              <a:t>Sole purpose of </a:t>
-            </a:r>
-            <a:r>
-              <a:rPr lang="en-GB" dirty="0" smtClean="0"/>
-              <a:t>the project </a:t>
-            </a:r>
-            <a:r>
-              <a:rPr lang="en-GB" dirty="0" smtClean="0"/>
-              <a:t>is to utilise knowledge acquired from Alchemy University to do a quick evaluation of XRP Ledger EVM compatible side chain</a:t>
+              <a:t>Sole purpose of the project is to utilise knowledge acquired from Alchemy University to do a quick evaluation of XRP Ledger EVM compatible side chain</a:t>
             </a:r>
           </a:p>
           <a:p>
@@ -6558,6 +6546,13 @@
   <p:clrMapOvr>
     <a:masterClrMapping/>
   </p:clrMapOvr>
+  <p:timing>
+    <p:tnLst>
+      <p:par>
+        <p:cTn id="1" dur="indefinite" restart="never" nodeType="tmRoot"/>
+      </p:par>
+    </p:tnLst>
+  </p:timing>
 </p:sld>
 </file>
 
@@ -6719,6 +6714,13 @@
   <p:clrMapOvr>
     <a:masterClrMapping/>
   </p:clrMapOvr>
+  <p:timing>
+    <p:tnLst>
+      <p:par>
+        <p:cTn id="1" dur="indefinite" restart="never" nodeType="tmRoot"/>
+      </p:par>
+    </p:tnLst>
+  </p:timing>
 </p:sld>
 </file>
 
@@ -6865,6 +6867,13 @@
   <p:clrMapOvr>
     <a:masterClrMapping/>
   </p:clrMapOvr>
+  <p:timing>
+    <p:tnLst>
+      <p:par>
+        <p:cTn id="1" dur="indefinite" restart="never" nodeType="tmRoot"/>
+      </p:par>
+    </p:tnLst>
+  </p:timing>
 </p:sld>
 </file>
 
@@ -6927,7 +6936,33 @@
               <a:rPr lang="en-GB" dirty="0" smtClean="0">
                 <a:hlinkClick r:id="rId2"/>
               </a:rPr>
-              <a:t>Alchemy University</a:t>
+              <a:t>Alchemy </a:t>
+            </a:r>
+            <a:r>
+              <a:rPr lang="en-GB" dirty="0" smtClean="0">
+                <a:hlinkClick r:id="rId2"/>
+              </a:rPr>
+              <a:t>University</a:t>
+            </a:r>
+            <a:endParaRPr lang="en-GB" dirty="0" smtClean="0"/>
+          </a:p>
+          <a:p>
+            <a:pPr lvl="1"/>
+            <a:r>
+              <a:rPr lang="en-GB" dirty="0">
+                <a:hlinkClick r:id="rId2"/>
+              </a:rPr>
+              <a:t>https://</a:t>
+            </a:r>
+            <a:r>
+              <a:rPr lang="en-GB" dirty="0" smtClean="0">
+                <a:hlinkClick r:id="rId2"/>
+              </a:rPr>
+              <a:t>www.alchemy.com/university</a:t>
+            </a:r>
+            <a:r>
+              <a:rPr lang="en-GB" dirty="0" smtClean="0"/>
+              <a:t>  </a:t>
             </a:r>
             <a:endParaRPr lang="en-GB" dirty="0" smtClean="0"/>
           </a:p>
@@ -6936,7 +6971,33 @@
               <a:rPr lang="en-GB" dirty="0" smtClean="0">
                 <a:hlinkClick r:id="rId3"/>
               </a:rPr>
-              <a:t>Ripple Open Source</a:t>
+              <a:t>Ripple Open </a:t>
+            </a:r>
+            <a:r>
+              <a:rPr lang="en-GB" dirty="0" smtClean="0">
+                <a:hlinkClick r:id="rId3"/>
+              </a:rPr>
+              <a:t>Source</a:t>
+            </a:r>
+            <a:endParaRPr lang="en-GB" dirty="0" smtClean="0"/>
+          </a:p>
+          <a:p>
+            <a:pPr lvl="1"/>
+            <a:r>
+              <a:rPr lang="en-GB" dirty="0">
+                <a:hlinkClick r:id="rId3"/>
+              </a:rPr>
+              <a:t>https://opensource.ripple.com</a:t>
+            </a:r>
+            <a:r>
+              <a:rPr lang="en-GB" dirty="0" smtClean="0">
+                <a:hlinkClick r:id="rId3"/>
+              </a:rPr>
+              <a:t>/</a:t>
+            </a:r>
+            <a:r>
+              <a:rPr lang="en-GB" dirty="0" smtClean="0"/>
+              <a:t> </a:t>
             </a:r>
             <a:endParaRPr lang="en-GB" dirty="0" smtClean="0"/>
           </a:p>
@@ -6945,11 +7006,34 @@
               <a:rPr lang="en-GB" dirty="0" smtClean="0">
                 <a:hlinkClick r:id="rId4"/>
               </a:rPr>
-              <a:t>Getting Started with XRP EVM Side Chain</a:t>
+              <a:t>Getting Started with XRP EVM Side </a:t>
+            </a:r>
+            <a:r>
+              <a:rPr lang="en-GB" dirty="0" smtClean="0">
+                <a:hlinkClick r:id="rId4"/>
+              </a:rPr>
+              <a:t>Chain</a:t>
             </a:r>
             <a:endParaRPr lang="en-GB" dirty="0" smtClean="0"/>
           </a:p>
           <a:p>
+            <a:pPr lvl="1"/>
+            <a:r>
+              <a:rPr lang="en-GB" dirty="0">
+                <a:hlinkClick r:id="rId4"/>
+              </a:rPr>
+              <a:t>https://opensource.ripple.com/docs/evm-sidechain/get-started-evm-sidechain</a:t>
+            </a:r>
+            <a:r>
+              <a:rPr lang="en-GB" dirty="0" smtClean="0">
+                <a:hlinkClick r:id="rId4"/>
+              </a:rPr>
+              <a:t>/</a:t>
+            </a:r>
+            <a:r>
+              <a:rPr lang="en-GB" dirty="0" smtClean="0"/>
+              <a:t> </a:t>
+            </a:r>
             <a:endParaRPr lang="en-GB" dirty="0" smtClean="0"/>
           </a:p>
           <a:p>
@@ -6967,6 +7051,13 @@
   <p:clrMapOvr>
     <a:masterClrMapping/>
   </p:clrMapOvr>
+  <p:timing>
+    <p:tnLst>
+      <p:par>
+        <p:cTn id="1" dur="indefinite" restart="never" nodeType="tmRoot"/>
+      </p:par>
+    </p:tnLst>
+  </p:timing>
 </p:sld>
 </file>
 
